--- a/Later/Java_Later/XML/3/XML Syntax Rules.pptx
+++ b/Later/Java_Later/XML/3/XML Syntax Rules.pptx
@@ -194,7 +194,7 @@
           <a:p>
             <a:fld id="{62274EC6-3890-417B-9308-14EFBD00FA63}" type="datetimeFigureOut">
               <a:rPr lang="en-US" smtClean="0"/>
-              <a:t>8/21/2019</a:t>
+              <a:t>9/3/2019</a:t>
             </a:fld>
             <a:endParaRPr lang="en-US" dirty="0"/>
           </a:p>
@@ -911,7 +911,7 @@
             <a:fld id="{1D8BD707-D9CF-40AE-B4C6-C98DA3205C09}" type="datetimeFigureOut">
               <a:rPr lang="en-US" smtClean="0"/>
               <a:pPr/>
-              <a:t>8/21/2019</a:t>
+              <a:t>9/3/2019</a:t>
             </a:fld>
             <a:endParaRPr lang="en-US" dirty="0"/>
           </a:p>
@@ -1083,7 +1083,7 @@
             <a:fld id="{1D8BD707-D9CF-40AE-B4C6-C98DA3205C09}" type="datetimeFigureOut">
               <a:rPr lang="en-US" smtClean="0"/>
               <a:pPr/>
-              <a:t>8/21/2019</a:t>
+              <a:t>9/3/2019</a:t>
             </a:fld>
             <a:endParaRPr lang="en-US" dirty="0"/>
           </a:p>
@@ -1265,7 +1265,7 @@
             <a:fld id="{1D8BD707-D9CF-40AE-B4C6-C98DA3205C09}" type="datetimeFigureOut">
               <a:rPr lang="en-US" smtClean="0"/>
               <a:pPr/>
-              <a:t>8/21/2019</a:t>
+              <a:t>9/3/2019</a:t>
             </a:fld>
             <a:endParaRPr lang="en-US" dirty="0"/>
           </a:p>
@@ -1437,7 +1437,7 @@
             <a:fld id="{1D8BD707-D9CF-40AE-B4C6-C98DA3205C09}" type="datetimeFigureOut">
               <a:rPr lang="en-US" smtClean="0"/>
               <a:pPr/>
-              <a:t>8/21/2019</a:t>
+              <a:t>9/3/2019</a:t>
             </a:fld>
             <a:endParaRPr lang="en-US" dirty="0"/>
           </a:p>
@@ -1685,7 +1685,7 @@
             <a:fld id="{1D8BD707-D9CF-40AE-B4C6-C98DA3205C09}" type="datetimeFigureOut">
               <a:rPr lang="en-US" smtClean="0"/>
               <a:pPr/>
-              <a:t>8/21/2019</a:t>
+              <a:t>9/3/2019</a:t>
             </a:fld>
             <a:endParaRPr lang="en-US" dirty="0"/>
           </a:p>
@@ -1975,7 +1975,7 @@
             <a:fld id="{1D8BD707-D9CF-40AE-B4C6-C98DA3205C09}" type="datetimeFigureOut">
               <a:rPr lang="en-US" smtClean="0"/>
               <a:pPr/>
-              <a:t>8/21/2019</a:t>
+              <a:t>9/3/2019</a:t>
             </a:fld>
             <a:endParaRPr lang="en-US" dirty="0"/>
           </a:p>
@@ -2404,7 +2404,7 @@
             <a:fld id="{1D8BD707-D9CF-40AE-B4C6-C98DA3205C09}" type="datetimeFigureOut">
               <a:rPr lang="en-US" smtClean="0"/>
               <a:pPr/>
-              <a:t>8/21/2019</a:t>
+              <a:t>9/3/2019</a:t>
             </a:fld>
             <a:endParaRPr lang="en-US" dirty="0"/>
           </a:p>
@@ -2524,7 +2524,7 @@
             <a:fld id="{1D8BD707-D9CF-40AE-B4C6-C98DA3205C09}" type="datetimeFigureOut">
               <a:rPr lang="en-US" smtClean="0"/>
               <a:pPr/>
-              <a:t>8/21/2019</a:t>
+              <a:t>9/3/2019</a:t>
             </a:fld>
             <a:endParaRPr lang="en-US" dirty="0"/>
           </a:p>
@@ -2621,7 +2621,7 @@
             <a:fld id="{1D8BD707-D9CF-40AE-B4C6-C98DA3205C09}" type="datetimeFigureOut">
               <a:rPr lang="en-US" smtClean="0"/>
               <a:pPr/>
-              <a:t>8/21/2019</a:t>
+              <a:t>9/3/2019</a:t>
             </a:fld>
             <a:endParaRPr lang="en-US" dirty="0"/>
           </a:p>
@@ -2900,7 +2900,7 @@
             <a:fld id="{1D8BD707-D9CF-40AE-B4C6-C98DA3205C09}" type="datetimeFigureOut">
               <a:rPr lang="en-US" smtClean="0"/>
               <a:pPr/>
-              <a:t>8/21/2019</a:t>
+              <a:t>9/3/2019</a:t>
             </a:fld>
             <a:endParaRPr lang="en-US" dirty="0"/>
           </a:p>
@@ -3155,7 +3155,7 @@
             <a:fld id="{1D8BD707-D9CF-40AE-B4C6-C98DA3205C09}" type="datetimeFigureOut">
               <a:rPr lang="en-US" smtClean="0"/>
               <a:pPr/>
-              <a:t>8/21/2019</a:t>
+              <a:t>9/3/2019</a:t>
             </a:fld>
             <a:endParaRPr lang="en-US" dirty="0"/>
           </a:p>
@@ -3370,7 +3370,7 @@
             <a:fld id="{1D8BD707-D9CF-40AE-B4C6-C98DA3205C09}" type="datetimeFigureOut">
               <a:rPr lang="en-US" smtClean="0"/>
               <a:pPr/>
-              <a:t>8/21/2019</a:t>
+              <a:t>9/3/2019</a:t>
             </a:fld>
             <a:endParaRPr lang="en-US" dirty="0"/>
           </a:p>
